--- a/materi/Mobile Computing II-05.pptx
+++ b/materi/Mobile Computing II-05.pptx
@@ -195,7 +195,7 @@
             <a:fld id="{D4C55E52-1512-4397-87CC-2882E58DA483}" type="datetimeFigureOut">
               <a:rPr lang="en-US" smtClean="0"/>
               <a:pPr/>
-              <a:t>10/13/2015</a:t>
+              <a:t>10/20/2015</a:t>
             </a:fld>
             <a:endParaRPr lang="en-US"/>
           </a:p>
@@ -889,7 +889,7 @@
             <a:fld id="{1D8BD707-D9CF-40AE-B4C6-C98DA3205C09}" type="datetimeFigureOut">
               <a:rPr lang="en-US" smtClean="0"/>
               <a:pPr/>
-              <a:t>10/13/2015</a:t>
+              <a:t>10/20/2015</a:t>
             </a:fld>
             <a:endParaRPr lang="en-US"/>
           </a:p>
@@ -1056,7 +1056,7 @@
             <a:fld id="{1D8BD707-D9CF-40AE-B4C6-C98DA3205C09}" type="datetimeFigureOut">
               <a:rPr lang="en-US" smtClean="0"/>
               <a:pPr/>
-              <a:t>10/13/2015</a:t>
+              <a:t>10/20/2015</a:t>
             </a:fld>
             <a:endParaRPr lang="en-US"/>
           </a:p>
@@ -1233,7 +1233,7 @@
             <a:fld id="{1D8BD707-D9CF-40AE-B4C6-C98DA3205C09}" type="datetimeFigureOut">
               <a:rPr lang="en-US" smtClean="0"/>
               <a:pPr/>
-              <a:t>10/13/2015</a:t>
+              <a:t>10/20/2015</a:t>
             </a:fld>
             <a:endParaRPr lang="en-US"/>
           </a:p>
@@ -1400,7 +1400,7 @@
             <a:fld id="{1D8BD707-D9CF-40AE-B4C6-C98DA3205C09}" type="datetimeFigureOut">
               <a:rPr lang="en-US" smtClean="0"/>
               <a:pPr/>
-              <a:t>10/13/2015</a:t>
+              <a:t>10/20/2015</a:t>
             </a:fld>
             <a:endParaRPr lang="en-US"/>
           </a:p>
@@ -1643,7 +1643,7 @@
             <a:fld id="{1D8BD707-D9CF-40AE-B4C6-C98DA3205C09}" type="datetimeFigureOut">
               <a:rPr lang="en-US" smtClean="0"/>
               <a:pPr/>
-              <a:t>10/13/2015</a:t>
+              <a:t>10/20/2015</a:t>
             </a:fld>
             <a:endParaRPr lang="en-US"/>
           </a:p>
@@ -1928,7 +1928,7 @@
             <a:fld id="{1D8BD707-D9CF-40AE-B4C6-C98DA3205C09}" type="datetimeFigureOut">
               <a:rPr lang="en-US" smtClean="0"/>
               <a:pPr/>
-              <a:t>10/13/2015</a:t>
+              <a:t>10/20/2015</a:t>
             </a:fld>
             <a:endParaRPr lang="en-US"/>
           </a:p>
@@ -2347,7 +2347,7 @@
             <a:fld id="{1D8BD707-D9CF-40AE-B4C6-C98DA3205C09}" type="datetimeFigureOut">
               <a:rPr lang="en-US" smtClean="0"/>
               <a:pPr/>
-              <a:t>10/13/2015</a:t>
+              <a:t>10/20/2015</a:t>
             </a:fld>
             <a:endParaRPr lang="en-US"/>
           </a:p>
@@ -2462,7 +2462,7 @@
             <a:fld id="{1D8BD707-D9CF-40AE-B4C6-C98DA3205C09}" type="datetimeFigureOut">
               <a:rPr lang="en-US" smtClean="0"/>
               <a:pPr/>
-              <a:t>10/13/2015</a:t>
+              <a:t>10/20/2015</a:t>
             </a:fld>
             <a:endParaRPr lang="en-US"/>
           </a:p>
@@ -2554,7 +2554,7 @@
             <a:fld id="{1D8BD707-D9CF-40AE-B4C6-C98DA3205C09}" type="datetimeFigureOut">
               <a:rPr lang="en-US" smtClean="0"/>
               <a:pPr/>
-              <a:t>10/13/2015</a:t>
+              <a:t>10/20/2015</a:t>
             </a:fld>
             <a:endParaRPr lang="en-US"/>
           </a:p>
@@ -2828,7 +2828,7 @@
             <a:fld id="{1D8BD707-D9CF-40AE-B4C6-C98DA3205C09}" type="datetimeFigureOut">
               <a:rPr lang="en-US" smtClean="0"/>
               <a:pPr/>
-              <a:t>10/13/2015</a:t>
+              <a:t>10/20/2015</a:t>
             </a:fld>
             <a:endParaRPr lang="en-US"/>
           </a:p>
@@ -3078,7 +3078,7 @@
             <a:fld id="{1D8BD707-D9CF-40AE-B4C6-C98DA3205C09}" type="datetimeFigureOut">
               <a:rPr lang="en-US" smtClean="0"/>
               <a:pPr/>
-              <a:t>10/13/2015</a:t>
+              <a:t>10/20/2015</a:t>
             </a:fld>
             <a:endParaRPr lang="en-US"/>
           </a:p>
@@ -3288,7 +3288,7 @@
             <a:fld id="{1D8BD707-D9CF-40AE-B4C6-C98DA3205C09}" type="datetimeFigureOut">
               <a:rPr lang="en-US" smtClean="0"/>
               <a:pPr/>
-              <a:t>10/13/2015</a:t>
+              <a:t>10/20/2015</a:t>
             </a:fld>
             <a:endParaRPr lang="en-US"/>
           </a:p>
@@ -3829,23 +3829,7 @@
                   <a:srgbClr val="FFFF00"/>
                 </a:solidFill>
               </a:rPr>
-              <a:t> </a:t>
-            </a:r>
-            <a:r>
-              <a:rPr lang="en-US" sz="3200" b="1" dirty="0" smtClean="0">
-                <a:solidFill>
-                  <a:srgbClr val="FFFF00"/>
-                </a:solidFill>
-              </a:rPr>
-              <a:t>V </a:t>
-            </a:r>
-            <a:r>
-              <a:rPr lang="en-US" sz="3200" b="1" dirty="0" smtClean="0">
-                <a:solidFill>
-                  <a:srgbClr val="FFFF00"/>
-                </a:solidFill>
-              </a:rPr>
-              <a:t>:</a:t>
+              <a:t> V :</a:t>
             </a:r>
           </a:p>
           <a:p>
@@ -3874,11 +3858,6 @@
               </a:rPr>
               <a:t>&gt; Android Networking</a:t>
             </a:r>
-            <a:endParaRPr lang="en-US" sz="3200" b="1" dirty="0" smtClean="0">
-              <a:solidFill>
-                <a:srgbClr val="FFFF00"/>
-              </a:solidFill>
-            </a:endParaRPr>
           </a:p>
         </p:txBody>
       </p:sp>
@@ -4803,7 +4782,7 @@
         <p:spPr>
           <a:xfrm>
             <a:off x="76200" y="55602"/>
-            <a:ext cx="3800528" cy="553998"/>
+            <a:ext cx="3429850" cy="553998"/>
           </a:xfrm>
           <a:prstGeom prst="rect">
             <a:avLst/>
@@ -4818,7 +4797,7 @@
           <a:p>
             <a:r>
               <a:rPr lang="en-US" sz="3000" b="1" dirty="0" smtClean="0"/>
-              <a:t>Material Design (intro)</a:t>
+              <a:t>Android Networking</a:t>
             </a:r>
             <a:endParaRPr lang="en-US" sz="3000" b="1" dirty="0"/>
           </a:p>
@@ -5160,38 +5139,6 @@
           </a:p>
         </p:txBody>
       </p:sp>
-      <p:pic>
-        <p:nvPicPr>
-          <p:cNvPr id="7171" name="Picture 3"/>
-          <p:cNvPicPr>
-            <a:picLocks noChangeAspect="1" noChangeArrowheads="1"/>
-          </p:cNvPicPr>
-          <p:nvPr/>
-        </p:nvPicPr>
-        <p:blipFill>
-          <a:blip r:embed="rId3" cstate="print"/>
-          <a:srcRect/>
-          <a:stretch>
-            <a:fillRect/>
-          </a:stretch>
-        </p:blipFill>
-        <p:spPr bwMode="auto">
-          <a:xfrm>
-            <a:off x="6172200" y="990600"/>
-            <a:ext cx="2562225" cy="4543425"/>
-          </a:xfrm>
-          <a:prstGeom prst="rect">
-            <a:avLst/>
-          </a:prstGeom>
-          <a:noFill/>
-          <a:ln w="9525">
-            <a:noFill/>
-            <a:miter lim="800000"/>
-            <a:headEnd/>
-            <a:tailEnd/>
-          </a:ln>
-        </p:spPr>
-      </p:pic>
     </p:spTree>
   </p:cSld>
   <p:clrMapOvr>
